--- a/assets/schema.pptx
+++ b/assets/schema.pptx
@@ -254,7 +254,7 @@
           <a:p>
             <a:fld id="{2129825A-31EA-4F1B-8D13-A35DF65FAA80}" type="datetimeFigureOut">
               <a:rPr lang="en-US" smtClean="0"/>
-              <a:t>3/8/2019</a:t>
+              <a:t>3/11/2019</a:t>
             </a:fld>
             <a:endParaRPr lang="en-US"/>
           </a:p>
@@ -424,7 +424,7 @@
           <a:p>
             <a:fld id="{2129825A-31EA-4F1B-8D13-A35DF65FAA80}" type="datetimeFigureOut">
               <a:rPr lang="en-US" smtClean="0"/>
-              <a:t>3/8/2019</a:t>
+              <a:t>3/11/2019</a:t>
             </a:fld>
             <a:endParaRPr lang="en-US"/>
           </a:p>
@@ -604,7 +604,7 @@
           <a:p>
             <a:fld id="{2129825A-31EA-4F1B-8D13-A35DF65FAA80}" type="datetimeFigureOut">
               <a:rPr lang="en-US" smtClean="0"/>
-              <a:t>3/8/2019</a:t>
+              <a:t>3/11/2019</a:t>
             </a:fld>
             <a:endParaRPr lang="en-US"/>
           </a:p>
@@ -774,7 +774,7 @@
           <a:p>
             <a:fld id="{2129825A-31EA-4F1B-8D13-A35DF65FAA80}" type="datetimeFigureOut">
               <a:rPr lang="en-US" smtClean="0"/>
-              <a:t>3/8/2019</a:t>
+              <a:t>3/11/2019</a:t>
             </a:fld>
             <a:endParaRPr lang="en-US"/>
           </a:p>
@@ -1020,7 +1020,7 @@
           <a:p>
             <a:fld id="{2129825A-31EA-4F1B-8D13-A35DF65FAA80}" type="datetimeFigureOut">
               <a:rPr lang="en-US" smtClean="0"/>
-              <a:t>3/8/2019</a:t>
+              <a:t>3/11/2019</a:t>
             </a:fld>
             <a:endParaRPr lang="en-US"/>
           </a:p>
@@ -1252,7 +1252,7 @@
           <a:p>
             <a:fld id="{2129825A-31EA-4F1B-8D13-A35DF65FAA80}" type="datetimeFigureOut">
               <a:rPr lang="en-US" smtClean="0"/>
-              <a:t>3/8/2019</a:t>
+              <a:t>3/11/2019</a:t>
             </a:fld>
             <a:endParaRPr lang="en-US"/>
           </a:p>
@@ -1619,7 +1619,7 @@
           <a:p>
             <a:fld id="{2129825A-31EA-4F1B-8D13-A35DF65FAA80}" type="datetimeFigureOut">
               <a:rPr lang="en-US" smtClean="0"/>
-              <a:t>3/8/2019</a:t>
+              <a:t>3/11/2019</a:t>
             </a:fld>
             <a:endParaRPr lang="en-US"/>
           </a:p>
@@ -1737,7 +1737,7 @@
           <a:p>
             <a:fld id="{2129825A-31EA-4F1B-8D13-A35DF65FAA80}" type="datetimeFigureOut">
               <a:rPr lang="en-US" smtClean="0"/>
-              <a:t>3/8/2019</a:t>
+              <a:t>3/11/2019</a:t>
             </a:fld>
             <a:endParaRPr lang="en-US"/>
           </a:p>
@@ -1832,7 +1832,7 @@
           <a:p>
             <a:fld id="{2129825A-31EA-4F1B-8D13-A35DF65FAA80}" type="datetimeFigureOut">
               <a:rPr lang="en-US" smtClean="0"/>
-              <a:t>3/8/2019</a:t>
+              <a:t>3/11/2019</a:t>
             </a:fld>
             <a:endParaRPr lang="en-US"/>
           </a:p>
@@ -2109,7 +2109,7 @@
           <a:p>
             <a:fld id="{2129825A-31EA-4F1B-8D13-A35DF65FAA80}" type="datetimeFigureOut">
               <a:rPr lang="en-US" smtClean="0"/>
-              <a:t>3/8/2019</a:t>
+              <a:t>3/11/2019</a:t>
             </a:fld>
             <a:endParaRPr lang="en-US"/>
           </a:p>
@@ -2366,7 +2366,7 @@
           <a:p>
             <a:fld id="{2129825A-31EA-4F1B-8D13-A35DF65FAA80}" type="datetimeFigureOut">
               <a:rPr lang="en-US" smtClean="0"/>
-              <a:t>3/8/2019</a:t>
+              <a:t>3/11/2019</a:t>
             </a:fld>
             <a:endParaRPr lang="en-US"/>
           </a:p>
@@ -2579,7 +2579,7 @@
           <a:p>
             <a:fld id="{2129825A-31EA-4F1B-8D13-A35DF65FAA80}" type="datetimeFigureOut">
               <a:rPr lang="en-US" smtClean="0"/>
-              <a:t>3/8/2019</a:t>
+              <a:t>3/11/2019</a:t>
             </a:fld>
             <a:endParaRPr lang="en-US"/>
           </a:p>
@@ -3508,44 +3508,6 @@
       </p:pic>
       <p:pic>
         <p:nvPicPr>
-          <p:cNvPr id="20" name="Picture 19">
-            <a:extLst>
-              <a:ext uri="{FF2B5EF4-FFF2-40B4-BE49-F238E27FC236}">
-                <a16:creationId xmlns:a16="http://schemas.microsoft.com/office/drawing/2014/main" id="{BE49CC8A-594C-4C1B-AD94-EF25D1E8477E}"/>
-              </a:ext>
-            </a:extLst>
-          </p:cNvPr>
-          <p:cNvPicPr>
-            <a:picLocks noChangeAspect="1"/>
-          </p:cNvPicPr>
-          <p:nvPr/>
-        </p:nvPicPr>
-        <p:blipFill>
-          <a:blip r:embed="rId7"/>
-          <a:stretch>
-            <a:fillRect/>
-          </a:stretch>
-        </p:blipFill>
-        <p:spPr>
-          <a:xfrm>
-            <a:off x="2516773" y="4065797"/>
-            <a:ext cx="981540" cy="663480"/>
-          </a:xfrm>
-          <a:prstGeom prst="rect">
-            <a:avLst/>
-          </a:prstGeom>
-          <a:solidFill>
-            <a:schemeClr val="accent1"/>
-          </a:solidFill>
-          <a:ln>
-            <a:solidFill>
-              <a:schemeClr val="tx1"/>
-            </a:solidFill>
-          </a:ln>
-        </p:spPr>
-      </p:pic>
-      <p:pic>
-        <p:nvPicPr>
           <p:cNvPr id="21" name="Picture 20">
             <a:extLst>
               <a:ext uri="{FF2B5EF4-FFF2-40B4-BE49-F238E27FC236}">
@@ -3559,7 +3521,7 @@
           <p:nvPr/>
         </p:nvPicPr>
         <p:blipFill>
-          <a:blip r:embed="rId8"/>
+          <a:blip r:embed="rId7"/>
           <a:stretch>
             <a:fillRect/>
           </a:stretch>
@@ -3708,7 +3670,7 @@
           </p:cNvPr>
           <p:cNvCxnSpPr>
             <a:cxnSpLocks/>
-            <a:stCxn id="20" idx="0"/>
+            <a:stCxn id="4" idx="0"/>
             <a:endCxn id="15" idx="2"/>
           </p:cNvCxnSpPr>
           <p:nvPr/>
@@ -3789,6 +3751,44 @@
           </a:fontRef>
         </p:style>
       </p:cxnSp>
+      <p:pic>
+        <p:nvPicPr>
+          <p:cNvPr id="4" name="Picture 3">
+            <a:extLst>
+              <a:ext uri="{FF2B5EF4-FFF2-40B4-BE49-F238E27FC236}">
+                <a16:creationId xmlns:a16="http://schemas.microsoft.com/office/drawing/2014/main" id="{770886D7-E445-4816-B9A3-C2A194186C24}"/>
+              </a:ext>
+            </a:extLst>
+          </p:cNvPr>
+          <p:cNvPicPr>
+            <a:picLocks noChangeAspect="1"/>
+          </p:cNvPicPr>
+          <p:nvPr/>
+        </p:nvPicPr>
+        <p:blipFill>
+          <a:blip r:embed="rId8"/>
+          <a:stretch>
+            <a:fillRect/>
+          </a:stretch>
+        </p:blipFill>
+        <p:spPr>
+          <a:xfrm>
+            <a:off x="2516773" y="4065797"/>
+            <a:ext cx="981540" cy="663480"/>
+          </a:xfrm>
+          <a:prstGeom prst="rect">
+            <a:avLst/>
+          </a:prstGeom>
+          <a:solidFill>
+            <a:schemeClr val="accent1"/>
+          </a:solidFill>
+          <a:ln w="12700">
+            <a:solidFill>
+              <a:schemeClr val="tx1"/>
+            </a:solidFill>
+          </a:ln>
+        </p:spPr>
+      </p:pic>
     </p:spTree>
     <p:extLst>
       <p:ext uri="{BB962C8B-B14F-4D97-AF65-F5344CB8AC3E}">

--- a/assets/schema.pptx
+++ b/assets/schema.pptx
@@ -3051,15 +3051,14 @@
           </p:cNvPr>
           <p:cNvCxnSpPr>
             <a:cxnSpLocks/>
-            <a:stCxn id="15" idx="3"/>
-            <a:endCxn id="16" idx="1"/>
+            <a:stCxn id="23" idx="3"/>
           </p:cNvCxnSpPr>
           <p:nvPr/>
         </p:nvCxnSpPr>
         <p:spPr>
           <a:xfrm>
-            <a:off x="4365283" y="3121556"/>
-            <a:ext cx="1253615" cy="0"/>
+            <a:off x="4369516" y="3121556"/>
+            <a:ext cx="1249382" cy="0"/>
           </a:xfrm>
           <a:prstGeom prst="line">
             <a:avLst/>
@@ -3096,8 +3095,6 @@
           </p:cNvPr>
           <p:cNvCxnSpPr>
             <a:cxnSpLocks/>
-            <a:stCxn id="16" idx="3"/>
-            <a:endCxn id="17" idx="1"/>
           </p:cNvCxnSpPr>
           <p:nvPr/>
         </p:nvCxnSpPr>
@@ -3142,7 +3139,6 @@
           <p:cNvCxnSpPr>
             <a:cxnSpLocks/>
             <a:stCxn id="19" idx="0"/>
-            <a:endCxn id="17" idx="2"/>
           </p:cNvCxnSpPr>
           <p:nvPr/>
         </p:nvCxnSpPr>
@@ -3318,10 +3314,10 @@
       </p:sp>
       <p:pic>
         <p:nvPicPr>
-          <p:cNvPr id="15" name="Picture 14">
+          <p:cNvPr id="19" name="Picture 18">
             <a:extLst>
               <a:ext uri="{FF2B5EF4-FFF2-40B4-BE49-F238E27FC236}">
-                <a16:creationId xmlns:a16="http://schemas.microsoft.com/office/drawing/2014/main" id="{40863647-08D3-40E8-B6D6-DE2718DE9604}"/>
+                <a16:creationId xmlns:a16="http://schemas.microsoft.com/office/drawing/2014/main" id="{26DD4777-F5B4-4ACE-B3D3-8E4B6A378D4D}"/>
               </a:ext>
             </a:extLst>
           </p:cNvPr>
@@ -3338,198 +3334,8 @@
         </p:blipFill>
         <p:spPr>
           <a:xfrm>
-            <a:off x="3007543" y="2589746"/>
-            <a:ext cx="1357740" cy="1063620"/>
-          </a:xfrm>
-          <a:prstGeom prst="rect">
-            <a:avLst/>
-          </a:prstGeom>
-          <a:solidFill>
-            <a:schemeClr val="bg1"/>
-          </a:solidFill>
-          <a:ln>
-            <a:solidFill>
-              <a:schemeClr val="tx1"/>
-            </a:solidFill>
-          </a:ln>
-        </p:spPr>
-      </p:pic>
-      <p:pic>
-        <p:nvPicPr>
-          <p:cNvPr id="16" name="Picture 15">
-            <a:extLst>
-              <a:ext uri="{FF2B5EF4-FFF2-40B4-BE49-F238E27FC236}">
-                <a16:creationId xmlns:a16="http://schemas.microsoft.com/office/drawing/2014/main" id="{C75D4D3B-6626-4102-AF12-5AB3CC8CF4AF}"/>
-              </a:ext>
-            </a:extLst>
-          </p:cNvPr>
-          <p:cNvPicPr>
-            <a:picLocks noChangeAspect="1"/>
-          </p:cNvPicPr>
-          <p:nvPr/>
-        </p:nvPicPr>
-        <p:blipFill>
-          <a:blip r:embed="rId3"/>
-          <a:stretch>
-            <a:fillRect/>
-          </a:stretch>
-        </p:blipFill>
-        <p:spPr>
-          <a:xfrm>
-            <a:off x="5618898" y="2589746"/>
-            <a:ext cx="1357740" cy="1063620"/>
-          </a:xfrm>
-          <a:prstGeom prst="rect">
-            <a:avLst/>
-          </a:prstGeom>
-          <a:solidFill>
-            <a:schemeClr val="bg1"/>
-          </a:solidFill>
-          <a:ln>
-            <a:solidFill>
-              <a:schemeClr val="tx1"/>
-            </a:solidFill>
-          </a:ln>
-        </p:spPr>
-      </p:pic>
-      <p:pic>
-        <p:nvPicPr>
-          <p:cNvPr id="17" name="Picture 16">
-            <a:extLst>
-              <a:ext uri="{FF2B5EF4-FFF2-40B4-BE49-F238E27FC236}">
-                <a16:creationId xmlns:a16="http://schemas.microsoft.com/office/drawing/2014/main" id="{2D1BF76C-E7A0-4654-B075-B5B70AB23C7E}"/>
-              </a:ext>
-            </a:extLst>
-          </p:cNvPr>
-          <p:cNvPicPr>
-            <a:picLocks noChangeAspect="1"/>
-          </p:cNvPicPr>
-          <p:nvPr/>
-        </p:nvPicPr>
-        <p:blipFill>
-          <a:blip r:embed="rId4"/>
-          <a:stretch>
-            <a:fillRect/>
-          </a:stretch>
-        </p:blipFill>
-        <p:spPr>
-          <a:xfrm>
-            <a:off x="8230253" y="2589746"/>
-            <a:ext cx="1357740" cy="1063620"/>
-          </a:xfrm>
-          <a:prstGeom prst="rect">
-            <a:avLst/>
-          </a:prstGeom>
-          <a:solidFill>
-            <a:schemeClr val="bg1"/>
-          </a:solidFill>
-          <a:ln>
-            <a:solidFill>
-              <a:schemeClr val="tx1"/>
-            </a:solidFill>
-          </a:ln>
-        </p:spPr>
-      </p:pic>
-      <p:pic>
-        <p:nvPicPr>
-          <p:cNvPr id="18" name="Picture 17">
-            <a:extLst>
-              <a:ext uri="{FF2B5EF4-FFF2-40B4-BE49-F238E27FC236}">
-                <a16:creationId xmlns:a16="http://schemas.microsoft.com/office/drawing/2014/main" id="{24CC3FFB-BE5F-4489-AA9B-713C31FAE395}"/>
-              </a:ext>
-            </a:extLst>
-          </p:cNvPr>
-          <p:cNvPicPr>
-            <a:picLocks noChangeAspect="1"/>
-          </p:cNvPicPr>
-          <p:nvPr/>
-        </p:nvPicPr>
-        <p:blipFill>
-          <a:blip r:embed="rId5"/>
-          <a:stretch>
-            <a:fillRect/>
-          </a:stretch>
-        </p:blipFill>
-        <p:spPr>
-          <a:xfrm>
-            <a:off x="8230253" y="1027061"/>
-            <a:ext cx="1357740" cy="930240"/>
-          </a:xfrm>
-          <a:prstGeom prst="rect">
-            <a:avLst/>
-          </a:prstGeom>
-          <a:solidFill>
-            <a:schemeClr val="bg1"/>
-          </a:solidFill>
-          <a:ln>
-            <a:solidFill>
-              <a:schemeClr val="tx1"/>
-            </a:solidFill>
-          </a:ln>
-        </p:spPr>
-      </p:pic>
-      <p:pic>
-        <p:nvPicPr>
-          <p:cNvPr id="19" name="Picture 18">
-            <a:extLst>
-              <a:ext uri="{FF2B5EF4-FFF2-40B4-BE49-F238E27FC236}">
-                <a16:creationId xmlns:a16="http://schemas.microsoft.com/office/drawing/2014/main" id="{26DD4777-F5B4-4ACE-B3D3-8E4B6A378D4D}"/>
-              </a:ext>
-            </a:extLst>
-          </p:cNvPr>
-          <p:cNvPicPr>
-            <a:picLocks noChangeAspect="1"/>
-          </p:cNvPicPr>
-          <p:nvPr/>
-        </p:nvPicPr>
-        <p:blipFill>
-          <a:blip r:embed="rId6"/>
-          <a:stretch>
-            <a:fillRect/>
-          </a:stretch>
-        </p:blipFill>
-        <p:spPr>
-          <a:xfrm>
             <a:off x="8418353" y="4065797"/>
             <a:ext cx="981540" cy="536940"/>
-          </a:xfrm>
-          <a:prstGeom prst="rect">
-            <a:avLst/>
-          </a:prstGeom>
-          <a:solidFill>
-            <a:schemeClr val="accent1"/>
-          </a:solidFill>
-          <a:ln>
-            <a:solidFill>
-              <a:schemeClr val="tx1"/>
-            </a:solidFill>
-          </a:ln>
-        </p:spPr>
-      </p:pic>
-      <p:pic>
-        <p:nvPicPr>
-          <p:cNvPr id="21" name="Picture 20">
-            <a:extLst>
-              <a:ext uri="{FF2B5EF4-FFF2-40B4-BE49-F238E27FC236}">
-                <a16:creationId xmlns:a16="http://schemas.microsoft.com/office/drawing/2014/main" id="{2BB84BE0-1838-4605-989F-62D8D40B2179}"/>
-              </a:ext>
-            </a:extLst>
-          </p:cNvPr>
-          <p:cNvPicPr>
-            <a:picLocks noChangeAspect="1"/>
-          </p:cNvPicPr>
-          <p:nvPr/>
-        </p:nvPicPr>
-        <p:blipFill>
-          <a:blip r:embed="rId7"/>
-          <a:stretch>
-            <a:fillRect/>
-          </a:stretch>
-        </p:blipFill>
-        <p:spPr>
-          <a:xfrm>
-            <a:off x="3839615" y="4065797"/>
-            <a:ext cx="981540" cy="1829700"/>
           </a:xfrm>
           <a:prstGeom prst="rect">
             <a:avLst/>
@@ -3555,8 +3361,6 @@
           </p:cNvPr>
           <p:cNvCxnSpPr>
             <a:cxnSpLocks/>
-            <a:stCxn id="18" idx="2"/>
-            <a:endCxn id="17" idx="0"/>
           </p:cNvCxnSpPr>
           <p:nvPr/>
         </p:nvCxnSpPr>
@@ -3671,7 +3475,6 @@
           <p:cNvCxnSpPr>
             <a:cxnSpLocks/>
             <a:stCxn id="4" idx="0"/>
-            <a:endCxn id="15" idx="2"/>
           </p:cNvCxnSpPr>
           <p:nvPr/>
         </p:nvCxnSpPr>
@@ -3716,8 +3519,6 @@
           </p:cNvPr>
           <p:cNvCxnSpPr>
             <a:cxnSpLocks/>
-            <a:stCxn id="21" idx="0"/>
-            <a:endCxn id="15" idx="2"/>
           </p:cNvCxnSpPr>
           <p:nvPr/>
         </p:nvCxnSpPr>
@@ -3766,6 +3567,196 @@
           <p:nvPr/>
         </p:nvPicPr>
         <p:blipFill>
+          <a:blip r:embed="rId3"/>
+          <a:stretch>
+            <a:fillRect/>
+          </a:stretch>
+        </p:blipFill>
+        <p:spPr>
+          <a:xfrm>
+            <a:off x="2516773" y="4065797"/>
+            <a:ext cx="981540" cy="663480"/>
+          </a:xfrm>
+          <a:prstGeom prst="rect">
+            <a:avLst/>
+          </a:prstGeom>
+          <a:solidFill>
+            <a:schemeClr val="accent1"/>
+          </a:solidFill>
+          <a:ln w="12700">
+            <a:solidFill>
+              <a:schemeClr val="tx1"/>
+            </a:solidFill>
+          </a:ln>
+        </p:spPr>
+      </p:pic>
+      <p:pic>
+        <p:nvPicPr>
+          <p:cNvPr id="23" name="Picture 22">
+            <a:extLst>
+              <a:ext uri="{FF2B5EF4-FFF2-40B4-BE49-F238E27FC236}">
+                <a16:creationId xmlns:a16="http://schemas.microsoft.com/office/drawing/2014/main" id="{90F28791-6832-45BD-B687-5310CE63020B}"/>
+              </a:ext>
+            </a:extLst>
+          </p:cNvPr>
+          <p:cNvPicPr>
+            <a:picLocks noChangeAspect="1"/>
+          </p:cNvPicPr>
+          <p:nvPr/>
+        </p:nvPicPr>
+        <p:blipFill>
+          <a:blip r:embed="rId4"/>
+          <a:stretch>
+            <a:fillRect/>
+          </a:stretch>
+        </p:blipFill>
+        <p:spPr>
+          <a:xfrm>
+            <a:off x="3011776" y="2589746"/>
+            <a:ext cx="1357740" cy="1063620"/>
+          </a:xfrm>
+          <a:prstGeom prst="rect">
+            <a:avLst/>
+          </a:prstGeom>
+          <a:solidFill>
+            <a:schemeClr val="bg1"/>
+          </a:solidFill>
+          <a:ln w="12700">
+            <a:solidFill>
+              <a:schemeClr val="tx1"/>
+            </a:solidFill>
+          </a:ln>
+        </p:spPr>
+      </p:pic>
+      <p:pic>
+        <p:nvPicPr>
+          <p:cNvPr id="29" name="Picture 28">
+            <a:extLst>
+              <a:ext uri="{FF2B5EF4-FFF2-40B4-BE49-F238E27FC236}">
+                <a16:creationId xmlns:a16="http://schemas.microsoft.com/office/drawing/2014/main" id="{5500E8F7-8B95-4416-82E4-F121685D3321}"/>
+              </a:ext>
+            </a:extLst>
+          </p:cNvPr>
+          <p:cNvPicPr>
+            <a:picLocks noChangeAspect="1"/>
+          </p:cNvPicPr>
+          <p:nvPr/>
+        </p:nvPicPr>
+        <p:blipFill>
+          <a:blip r:embed="rId5"/>
+          <a:stretch>
+            <a:fillRect/>
+          </a:stretch>
+        </p:blipFill>
+        <p:spPr>
+          <a:xfrm>
+            <a:off x="5618898" y="2589746"/>
+            <a:ext cx="1357740" cy="1063620"/>
+          </a:xfrm>
+          <a:prstGeom prst="rect">
+            <a:avLst/>
+          </a:prstGeom>
+          <a:solidFill>
+            <a:schemeClr val="bg1"/>
+          </a:solidFill>
+          <a:ln w="12700">
+            <a:solidFill>
+              <a:schemeClr val="tx1"/>
+            </a:solidFill>
+          </a:ln>
+        </p:spPr>
+      </p:pic>
+      <p:pic>
+        <p:nvPicPr>
+          <p:cNvPr id="30" name="Picture 29">
+            <a:extLst>
+              <a:ext uri="{FF2B5EF4-FFF2-40B4-BE49-F238E27FC236}">
+                <a16:creationId xmlns:a16="http://schemas.microsoft.com/office/drawing/2014/main" id="{A4829973-C1FD-4FDB-A530-61464283268B}"/>
+              </a:ext>
+            </a:extLst>
+          </p:cNvPr>
+          <p:cNvPicPr>
+            <a:picLocks noChangeAspect="1"/>
+          </p:cNvPicPr>
+          <p:nvPr/>
+        </p:nvPicPr>
+        <p:blipFill>
+          <a:blip r:embed="rId6"/>
+          <a:stretch>
+            <a:fillRect/>
+          </a:stretch>
+        </p:blipFill>
+        <p:spPr>
+          <a:xfrm>
+            <a:off x="8223646" y="2589746"/>
+            <a:ext cx="1357740" cy="1063620"/>
+          </a:xfrm>
+          <a:prstGeom prst="rect">
+            <a:avLst/>
+          </a:prstGeom>
+          <a:solidFill>
+            <a:schemeClr val="bg1"/>
+          </a:solidFill>
+          <a:ln w="12700">
+            <a:solidFill>
+              <a:schemeClr val="tx1"/>
+            </a:solidFill>
+          </a:ln>
+        </p:spPr>
+      </p:pic>
+      <p:pic>
+        <p:nvPicPr>
+          <p:cNvPr id="31" name="Picture 30">
+            <a:extLst>
+              <a:ext uri="{FF2B5EF4-FFF2-40B4-BE49-F238E27FC236}">
+                <a16:creationId xmlns:a16="http://schemas.microsoft.com/office/drawing/2014/main" id="{5963AFF4-125D-4F7E-80A1-647E36F13668}"/>
+              </a:ext>
+            </a:extLst>
+          </p:cNvPr>
+          <p:cNvPicPr>
+            <a:picLocks noChangeAspect="1"/>
+          </p:cNvPicPr>
+          <p:nvPr/>
+        </p:nvPicPr>
+        <p:blipFill>
+          <a:blip r:embed="rId7"/>
+          <a:stretch>
+            <a:fillRect/>
+          </a:stretch>
+        </p:blipFill>
+        <p:spPr>
+          <a:xfrm>
+            <a:off x="8231273" y="1027061"/>
+            <a:ext cx="1357740" cy="930240"/>
+          </a:xfrm>
+          <a:prstGeom prst="rect">
+            <a:avLst/>
+          </a:prstGeom>
+          <a:solidFill>
+            <a:schemeClr val="bg1"/>
+          </a:solidFill>
+          <a:ln w="12700">
+            <a:solidFill>
+              <a:schemeClr val="tx1"/>
+            </a:solidFill>
+          </a:ln>
+        </p:spPr>
+      </p:pic>
+      <p:pic>
+        <p:nvPicPr>
+          <p:cNvPr id="33" name="Picture 32">
+            <a:extLst>
+              <a:ext uri="{FF2B5EF4-FFF2-40B4-BE49-F238E27FC236}">
+                <a16:creationId xmlns:a16="http://schemas.microsoft.com/office/drawing/2014/main" id="{81EDF9DD-D030-410E-B73E-0BA130260614}"/>
+              </a:ext>
+            </a:extLst>
+          </p:cNvPr>
+          <p:cNvPicPr>
+            <a:picLocks noChangeAspect="1"/>
+          </p:cNvPicPr>
+          <p:nvPr/>
+        </p:nvPicPr>
+        <p:blipFill>
           <a:blip r:embed="rId8"/>
           <a:stretch>
             <a:fillRect/>
@@ -3773,8 +3764,8 @@
         </p:blipFill>
         <p:spPr>
           <a:xfrm>
-            <a:off x="2516773" y="4065797"/>
-            <a:ext cx="981540" cy="663480"/>
+            <a:off x="3839615" y="4065797"/>
+            <a:ext cx="981540" cy="1829700"/>
           </a:xfrm>
           <a:prstGeom prst="rect">
             <a:avLst/>
